--- a/Лекции/1/C++Лекция 1 О языке C++, основные базовые конструкции.pptx
+++ b/Лекции/1/C++Лекция 1 О языке C++, основные базовые конструкции.pptx
@@ -259,7 +259,7 @@
           <a:p>
             <a:fld id="{D35D8504-5BF1-4F27-9DC9-D2E9259159FE}" type="datetimeFigureOut">
               <a:rPr lang="ru-RU" smtClean="0"/>
-              <a:t>08.09.2020</a:t>
+              <a:t>06.09.2021</a:t>
             </a:fld>
             <a:endParaRPr lang="ru-RU"/>
           </a:p>
@@ -429,7 +429,7 @@
           <a:p>
             <a:fld id="{D35D8504-5BF1-4F27-9DC9-D2E9259159FE}" type="datetimeFigureOut">
               <a:rPr lang="ru-RU" smtClean="0"/>
-              <a:t>08.09.2020</a:t>
+              <a:t>06.09.2021</a:t>
             </a:fld>
             <a:endParaRPr lang="ru-RU"/>
           </a:p>
@@ -609,7 +609,7 @@
           <a:p>
             <a:fld id="{D35D8504-5BF1-4F27-9DC9-D2E9259159FE}" type="datetimeFigureOut">
               <a:rPr lang="ru-RU" smtClean="0"/>
-              <a:t>08.09.2020</a:t>
+              <a:t>06.09.2021</a:t>
             </a:fld>
             <a:endParaRPr lang="ru-RU"/>
           </a:p>
@@ -779,7 +779,7 @@
           <a:p>
             <a:fld id="{D35D8504-5BF1-4F27-9DC9-D2E9259159FE}" type="datetimeFigureOut">
               <a:rPr lang="ru-RU" smtClean="0"/>
-              <a:t>08.09.2020</a:t>
+              <a:t>06.09.2021</a:t>
             </a:fld>
             <a:endParaRPr lang="ru-RU"/>
           </a:p>
@@ -1025,7 +1025,7 @@
           <a:p>
             <a:fld id="{D35D8504-5BF1-4F27-9DC9-D2E9259159FE}" type="datetimeFigureOut">
               <a:rPr lang="ru-RU" smtClean="0"/>
-              <a:t>08.09.2020</a:t>
+              <a:t>06.09.2021</a:t>
             </a:fld>
             <a:endParaRPr lang="ru-RU"/>
           </a:p>
@@ -1257,7 +1257,7 @@
           <a:p>
             <a:fld id="{D35D8504-5BF1-4F27-9DC9-D2E9259159FE}" type="datetimeFigureOut">
               <a:rPr lang="ru-RU" smtClean="0"/>
-              <a:t>08.09.2020</a:t>
+              <a:t>06.09.2021</a:t>
             </a:fld>
             <a:endParaRPr lang="ru-RU"/>
           </a:p>
@@ -1624,7 +1624,7 @@
           <a:p>
             <a:fld id="{D35D8504-5BF1-4F27-9DC9-D2E9259159FE}" type="datetimeFigureOut">
               <a:rPr lang="ru-RU" smtClean="0"/>
-              <a:t>08.09.2020</a:t>
+              <a:t>06.09.2021</a:t>
             </a:fld>
             <a:endParaRPr lang="ru-RU"/>
           </a:p>
@@ -1742,7 +1742,7 @@
           <a:p>
             <a:fld id="{D35D8504-5BF1-4F27-9DC9-D2E9259159FE}" type="datetimeFigureOut">
               <a:rPr lang="ru-RU" smtClean="0"/>
-              <a:t>08.09.2020</a:t>
+              <a:t>06.09.2021</a:t>
             </a:fld>
             <a:endParaRPr lang="ru-RU"/>
           </a:p>
@@ -1837,7 +1837,7 @@
           <a:p>
             <a:fld id="{D35D8504-5BF1-4F27-9DC9-D2E9259159FE}" type="datetimeFigureOut">
               <a:rPr lang="ru-RU" smtClean="0"/>
-              <a:t>08.09.2020</a:t>
+              <a:t>06.09.2021</a:t>
             </a:fld>
             <a:endParaRPr lang="ru-RU"/>
           </a:p>
@@ -2114,7 +2114,7 @@
           <a:p>
             <a:fld id="{D35D8504-5BF1-4F27-9DC9-D2E9259159FE}" type="datetimeFigureOut">
               <a:rPr lang="ru-RU" smtClean="0"/>
-              <a:t>08.09.2020</a:t>
+              <a:t>06.09.2021</a:t>
             </a:fld>
             <a:endParaRPr lang="ru-RU"/>
           </a:p>
@@ -2367,7 +2367,7 @@
           <a:p>
             <a:fld id="{D35D8504-5BF1-4F27-9DC9-D2E9259159FE}" type="datetimeFigureOut">
               <a:rPr lang="ru-RU" smtClean="0"/>
-              <a:t>08.09.2020</a:t>
+              <a:t>06.09.2021</a:t>
             </a:fld>
             <a:endParaRPr lang="ru-RU"/>
           </a:p>
@@ -2580,7 +2580,7 @@
           <a:p>
             <a:fld id="{D35D8504-5BF1-4F27-9DC9-D2E9259159FE}" type="datetimeFigureOut">
               <a:rPr lang="ru-RU" smtClean="0"/>
-              <a:t>08.09.2020</a:t>
+              <a:t>06.09.2021</a:t>
             </a:fld>
             <a:endParaRPr lang="ru-RU"/>
           </a:p>
